--- a/docs/exercises_transportation/slides/Exercise02_Template.pptx
+++ b/docs/exercises_transportation/slides/Exercise02_Template.pptx
@@ -127,6 +127,37 @@
 
 <file path=ppt/changesInfos/changesInfo1.xml><?xml version="1.0" encoding="utf-8"?>
 <pc:chgInfo xmlns:a="http://schemas.openxmlformats.org/drawingml/2006/main" xmlns:r="http://schemas.openxmlformats.org/officeDocument/2006/relationships" xmlns:ac="http://schemas.microsoft.com/office/drawing/2013/main/command" xmlns:pc="http://schemas.microsoft.com/office/powerpoint/2013/main/command">
+  <pc:docChgLst>
+    <pc:chgData name="Smith, Christopher" userId="55859027-47ff-4ec1-a263-656b30aeb6f0" providerId="ADAL" clId="{FA5F1705-F812-41BF-8D57-C7930690349D}"/>
+    <pc:docChg chg="addSld modSld sldOrd">
+      <pc:chgData name="Smith, Christopher" userId="55859027-47ff-4ec1-a263-656b30aeb6f0" providerId="ADAL" clId="{FA5F1705-F812-41BF-8D57-C7930690349D}" dt="2022-10-12T21:16:12.066" v="4" actId="1076"/>
+      <pc:docMkLst>
+        <pc:docMk/>
+      </pc:docMkLst>
+      <pc:sldChg chg="addSp modSp mod">
+        <pc:chgData name="Smith, Christopher" userId="55859027-47ff-4ec1-a263-656b30aeb6f0" providerId="ADAL" clId="{FA5F1705-F812-41BF-8D57-C7930690349D}" dt="2022-10-12T21:16:12.066" v="4" actId="1076"/>
+        <pc:sldMkLst>
+          <pc:docMk/>
+          <pc:sldMk cId="1953362540" sldId="256"/>
+        </pc:sldMkLst>
+        <pc:picChg chg="add mod">
+          <ac:chgData name="Smith, Christopher" userId="55859027-47ff-4ec1-a263-656b30aeb6f0" providerId="ADAL" clId="{FA5F1705-F812-41BF-8D57-C7930690349D}" dt="2022-10-12T21:16:12.066" v="4" actId="1076"/>
+          <ac:picMkLst>
+            <pc:docMk/>
+            <pc:sldMk cId="1953362540" sldId="256"/>
+            <ac:picMk id="3" creationId="{B7912C42-1918-4A78-5B74-8B5B149E2F82}"/>
+          </ac:picMkLst>
+        </pc:picChg>
+      </pc:sldChg>
+      <pc:sldChg chg="add ord">
+        <pc:chgData name="Smith, Christopher" userId="55859027-47ff-4ec1-a263-656b30aeb6f0" providerId="ADAL" clId="{FA5F1705-F812-41BF-8D57-C7930690349D}" dt="2022-10-12T20:57:06.962" v="2"/>
+        <pc:sldMkLst>
+          <pc:docMk/>
+          <pc:sldMk cId="1657430444" sldId="267"/>
+        </pc:sldMkLst>
+      </pc:sldChg>
+    </pc:docChg>
+  </pc:docChgLst>
   <pc:docChgLst>
     <pc:chgData name="Christopher Smith" userId="f635bcaf-d701-437b-bffd-1a8f160c01d9" providerId="ADAL" clId="{64AE7F29-9707-4987-A4F0-32A1DE1DF23B}"/>
     <pc:docChg chg="custSel addSld delSld modSld">
@@ -1134,37 +1165,6 @@
       </pc:sldChg>
     </pc:docChg>
   </pc:docChgLst>
-  <pc:docChgLst>
-    <pc:chgData name="Smith, Christopher" userId="55859027-47ff-4ec1-a263-656b30aeb6f0" providerId="ADAL" clId="{FA5F1705-F812-41BF-8D57-C7930690349D}"/>
-    <pc:docChg chg="addSld modSld sldOrd">
-      <pc:chgData name="Smith, Christopher" userId="55859027-47ff-4ec1-a263-656b30aeb6f0" providerId="ADAL" clId="{FA5F1705-F812-41BF-8D57-C7930690349D}" dt="2022-10-12T21:16:12.066" v="4" actId="1076"/>
-      <pc:docMkLst>
-        <pc:docMk/>
-      </pc:docMkLst>
-      <pc:sldChg chg="addSp modSp mod">
-        <pc:chgData name="Smith, Christopher" userId="55859027-47ff-4ec1-a263-656b30aeb6f0" providerId="ADAL" clId="{FA5F1705-F812-41BF-8D57-C7930690349D}" dt="2022-10-12T21:16:12.066" v="4" actId="1076"/>
-        <pc:sldMkLst>
-          <pc:docMk/>
-          <pc:sldMk cId="1953362540" sldId="256"/>
-        </pc:sldMkLst>
-        <pc:picChg chg="add mod">
-          <ac:chgData name="Smith, Christopher" userId="55859027-47ff-4ec1-a263-656b30aeb6f0" providerId="ADAL" clId="{FA5F1705-F812-41BF-8D57-C7930690349D}" dt="2022-10-12T21:16:12.066" v="4" actId="1076"/>
-          <ac:picMkLst>
-            <pc:docMk/>
-            <pc:sldMk cId="1953362540" sldId="256"/>
-            <ac:picMk id="3" creationId="{B7912C42-1918-4A78-5B74-8B5B149E2F82}"/>
-          </ac:picMkLst>
-        </pc:picChg>
-      </pc:sldChg>
-      <pc:sldChg chg="add ord">
-        <pc:chgData name="Smith, Christopher" userId="55859027-47ff-4ec1-a263-656b30aeb6f0" providerId="ADAL" clId="{FA5F1705-F812-41BF-8D57-C7930690349D}" dt="2022-10-12T20:57:06.962" v="2"/>
-        <pc:sldMkLst>
-          <pc:docMk/>
-          <pc:sldMk cId="1657430444" sldId="267"/>
-        </pc:sldMkLst>
-      </pc:sldChg>
-    </pc:docChg>
-  </pc:docChgLst>
 </pc:chgInfo>
 </file>
 
@@ -1353,7 +1353,7 @@
           <a:p>
             <a:fld id="{88D38747-4367-4BD2-8D51-C97E202738E2}" type="datetime1">
               <a:rPr lang="en-US" smtClean="0"/>
-              <a:t>2/8/2023</a:t>
+              <a:t>1/24/2024</a:t>
             </a:fld>
             <a:endParaRPr lang="en-US" dirty="0"/>
           </a:p>
@@ -1658,7 +1658,7 @@
           <a:p>
             <a:fld id="{11F1B079-7EF0-44EE-B798-BCC497C9F3B2}" type="datetime1">
               <a:rPr lang="en-US" smtClean="0"/>
-              <a:t>2/8/2023</a:t>
+              <a:t>1/24/2024</a:t>
             </a:fld>
             <a:endParaRPr lang="en-US" dirty="0"/>
           </a:p>
@@ -1852,7 +1852,7 @@
           <a:p>
             <a:fld id="{28FF70A8-1D13-4657-95F0-A9EA54967B8D}" type="datetime1">
               <a:rPr lang="en-US" smtClean="0"/>
-              <a:t>2/8/2023</a:t>
+              <a:t>1/24/2024</a:t>
             </a:fld>
             <a:endParaRPr lang="en-US" dirty="0"/>
           </a:p>
@@ -2115,7 +2115,7 @@
           <a:p>
             <a:fld id="{21EB90AC-71BD-4C7F-8ACA-7B3F18292E63}" type="datetime1">
               <a:rPr lang="en-US" smtClean="0"/>
-              <a:t>2/8/2023</a:t>
+              <a:t>1/24/2024</a:t>
             </a:fld>
             <a:endParaRPr lang="en-US" dirty="0"/>
           </a:p>
@@ -2551,7 +2551,7 @@
           <a:p>
             <a:fld id="{4E6EFC2C-8905-46F0-B443-CE905B76BA01}" type="datetime1">
               <a:rPr lang="en-US" smtClean="0"/>
-              <a:t>2/8/2023</a:t>
+              <a:t>1/24/2024</a:t>
             </a:fld>
             <a:endParaRPr lang="en-US" dirty="0"/>
           </a:p>
@@ -3088,7 +3088,7 @@
           <a:p>
             <a:fld id="{D9079DC3-C9B5-499E-9140-0DC28B7074E2}" type="datetime1">
               <a:rPr lang="en-US" smtClean="0"/>
-              <a:t>2/8/2023</a:t>
+              <a:t>1/24/2024</a:t>
             </a:fld>
             <a:endParaRPr lang="en-US" dirty="0"/>
           </a:p>
@@ -3970,7 +3970,7 @@
           <a:p>
             <a:fld id="{30BB33EA-E472-4D22-9C03-A9C14AA21CED}" type="datetime1">
               <a:rPr lang="en-US" smtClean="0"/>
-              <a:t>2/8/2023</a:t>
+              <a:t>1/24/2024</a:t>
             </a:fld>
             <a:endParaRPr lang="en-US" dirty="0"/>
           </a:p>
@@ -4140,7 +4140,7 @@
           <a:p>
             <a:fld id="{217E833E-1B6D-415F-AD29-75AE8C43BD0D}" type="datetime1">
               <a:rPr lang="en-US" smtClean="0"/>
-              <a:t>2/8/2023</a:t>
+              <a:t>1/24/2024</a:t>
             </a:fld>
             <a:endParaRPr lang="en-US" dirty="0"/>
           </a:p>
@@ -4324,7 +4324,7 @@
           <a:p>
             <a:fld id="{8452596F-08A7-4B70-989A-F2B1CF31E66B}" type="datetime1">
               <a:rPr lang="en-US" smtClean="0"/>
-              <a:t>2/8/2023</a:t>
+              <a:t>1/24/2024</a:t>
             </a:fld>
             <a:endParaRPr lang="en-US" dirty="0"/>
           </a:p>
@@ -4494,7 +4494,7 @@
           <a:p>
             <a:fld id="{73C55A3C-5767-4844-A0A3-83778C2E5409}" type="datetime1">
               <a:rPr lang="en-US" smtClean="0"/>
-              <a:t>2/8/2023</a:t>
+              <a:t>1/24/2024</a:t>
             </a:fld>
             <a:endParaRPr lang="en-US" dirty="0"/>
           </a:p>
@@ -4738,7 +4738,7 @@
           <a:p>
             <a:fld id="{CAE507A8-A5CF-4D38-AB86-7EDDA87A85D4}" type="datetime1">
               <a:rPr lang="en-US" smtClean="0"/>
-              <a:t>2/8/2023</a:t>
+              <a:t>1/24/2024</a:t>
             </a:fld>
             <a:endParaRPr lang="en-US" dirty="0"/>
           </a:p>
@@ -4980,7 +4980,7 @@
           <a:p>
             <a:fld id="{BDFCD27C-8599-43EF-BA1D-14DDC1946E06}" type="datetime1">
               <a:rPr lang="en-US" smtClean="0"/>
-              <a:t>2/8/2023</a:t>
+              <a:t>1/24/2024</a:t>
             </a:fld>
             <a:endParaRPr lang="en-US" dirty="0"/>
           </a:p>
@@ -5461,7 +5461,7 @@
           <a:p>
             <a:fld id="{49343D99-809A-49C0-96E5-4250D0B498EE}" type="datetime1">
               <a:rPr lang="en-US" smtClean="0"/>
-              <a:t>2/8/2023</a:t>
+              <a:t>1/24/2024</a:t>
             </a:fld>
             <a:endParaRPr lang="en-US" dirty="0"/>
           </a:p>
@@ -5579,7 +5579,7 @@
           <a:p>
             <a:fld id="{A143DE9B-B678-4EFB-BB7D-A4370204A0B0}" type="datetime1">
               <a:rPr lang="en-US" smtClean="0"/>
-              <a:t>2/8/2023</a:t>
+              <a:t>1/24/2024</a:t>
             </a:fld>
             <a:endParaRPr lang="en-US" dirty="0"/>
           </a:p>
@@ -5674,7 +5674,7 @@
           <a:p>
             <a:fld id="{E68812DA-F765-4142-A6A3-A8ED7235E082}" type="datetime1">
               <a:rPr lang="en-US" smtClean="0"/>
-              <a:t>2/8/2023</a:t>
+              <a:t>1/24/2024</a:t>
             </a:fld>
             <a:endParaRPr lang="en-US" dirty="0"/>
           </a:p>
@@ -5929,7 +5929,7 @@
           <a:p>
             <a:fld id="{3E0277FD-7DE6-41D4-930D-AC99F5AFE54E}" type="datetime1">
               <a:rPr lang="en-US" smtClean="0"/>
-              <a:t>2/8/2023</a:t>
+              <a:t>1/24/2024</a:t>
             </a:fld>
             <a:endParaRPr lang="en-US" dirty="0"/>
           </a:p>
@@ -6236,7 +6236,7 @@
           <a:p>
             <a:fld id="{9EA15526-7079-4B7B-987C-1B5FAE11A0FF}" type="datetime1">
               <a:rPr lang="en-US" smtClean="0"/>
-              <a:t>2/8/2023</a:t>
+              <a:t>1/24/2024</a:t>
             </a:fld>
             <a:endParaRPr lang="en-US" dirty="0"/>
           </a:p>
@@ -6471,7 +6471,7 @@
           <a:p>
             <a:fld id="{073ED0CC-082F-4160-86E5-0D6041F12778}" type="datetime1">
               <a:rPr lang="en-US" smtClean="0"/>
-              <a:t>2/8/2023</a:t>
+              <a:t>1/24/2024</a:t>
             </a:fld>
             <a:endParaRPr lang="en-US" dirty="0"/>
           </a:p>
@@ -7331,7 +7331,7 @@
                 <a:ea typeface="+mn-ea"/>
                 <a:cs typeface="+mn-cs"/>
               </a:rPr>
-              <a:t>GEO 3330 Sustainable Urban Transportation</a:t>
+              <a:t>GEO 330 Sustainable Urban Transportation</a:t>
             </a:r>
           </a:p>
           <a:p>
@@ -7379,7 +7379,7 @@
                 <a:ea typeface="+mn-ea"/>
                 <a:cs typeface="+mn-cs"/>
               </a:rPr>
-              <a:t>Exercise #3: Divvy Ridership Trends</a:t>
+              <a:t>Exercise #2: Divvy Ridership Trends</a:t>
             </a:r>
           </a:p>
         </p:txBody>
@@ -7789,7 +7789,7 @@
                 <a:latin typeface="+mj-lt"/>
                 <a:ea typeface="+mj-ea"/>
               </a:rPr>
-              <a:t>GEO 3330 Sustainable Urban Transportation</a:t>
+              <a:t>GEO 330 Sustainable Urban Transportation</a:t>
             </a:r>
           </a:p>
           <a:p>
@@ -7828,7 +7828,7 @@
                 <a:latin typeface="+mj-lt"/>
                 <a:ea typeface="+mj-ea"/>
               </a:rPr>
-              <a:t>Exercise #3: Divvy Ridership Trends</a:t>
+              <a:t>Exercise #2: Divvy Ridership Trends</a:t>
             </a:r>
           </a:p>
         </p:txBody>
@@ -8239,7 +8239,7 @@
                 <a:ea typeface="+mn-ea"/>
                 <a:cs typeface="+mn-cs"/>
               </a:rPr>
-              <a:t>GEO 3330 Sustainable Urban Transportation</a:t>
+              <a:t>GEO 330 Sustainable Urban Transportation</a:t>
             </a:r>
           </a:p>
           <a:p>
@@ -8287,7 +8287,7 @@
                 <a:ea typeface="+mn-ea"/>
                 <a:cs typeface="+mn-cs"/>
               </a:rPr>
-              <a:t>Exercise #3: Divvy Ridership Trends</a:t>
+              <a:t>Exercise #2: Divvy Ridership Trends</a:t>
             </a:r>
           </a:p>
         </p:txBody>
@@ -8727,7 +8727,7 @@
                 <a:ea typeface="+mn-ea"/>
                 <a:cs typeface="+mn-cs"/>
               </a:rPr>
-              <a:t>GEO 3330 Sustainable Urban Transportation</a:t>
+              <a:t>GEO 330 Sustainable Urban Transportation</a:t>
             </a:r>
           </a:p>
           <a:p>
@@ -8775,7 +8775,7 @@
                 <a:ea typeface="+mn-ea"/>
                 <a:cs typeface="+mn-cs"/>
               </a:rPr>
-              <a:t>Exercise #3: Divvy Ridership Trends</a:t>
+              <a:t>Exercise #2: Divvy Ridership Trends</a:t>
             </a:r>
           </a:p>
         </p:txBody>
@@ -9238,7 +9238,7 @@
                 <a:ea typeface="+mn-ea"/>
                 <a:cs typeface="+mn-cs"/>
               </a:rPr>
-              <a:t>GEO 3330 Sustainable Urban Transportation</a:t>
+              <a:t>GEO 330 Sustainable Urban Transportation</a:t>
             </a:r>
           </a:p>
           <a:p>
@@ -9286,7 +9286,7 @@
                 <a:ea typeface="+mn-ea"/>
                 <a:cs typeface="+mn-cs"/>
               </a:rPr>
-              <a:t>Exercise #3: Divvy Ridership Trends</a:t>
+              <a:t>Exercise #2: Divvy Ridership Trends</a:t>
             </a:r>
           </a:p>
         </p:txBody>
@@ -9657,7 +9657,7 @@
                 <a:ea typeface="+mn-ea"/>
                 <a:cs typeface="+mn-cs"/>
               </a:rPr>
-              <a:t>GEO 3330 Sustainable Urban Transportation</a:t>
+              <a:t>GEO 330 Sustainable Urban Transportation</a:t>
             </a:r>
           </a:p>
           <a:p>
@@ -9705,7 +9705,7 @@
                 <a:ea typeface="+mn-ea"/>
                 <a:cs typeface="+mn-cs"/>
               </a:rPr>
-              <a:t>Exercise #3: Divvy Ridership Trends</a:t>
+              <a:t>Exercise #2: Divvy Ridership Trends</a:t>
             </a:r>
           </a:p>
         </p:txBody>
